--- a/Documentation/Increment4_Final Binder/Auto-Learn_PCP_002_3310Term2020.pptx
+++ b/Documentation/Increment4_Final Binder/Auto-Learn_PCP_002_3310Term2020.pptx
@@ -208,7 +208,7 @@
           <a:p>
             <a:fld id="{AFD01546-198A-4195-BCF8-F0FF54C90E5E}" type="datetimeFigureOut">
               <a:rPr lang="en-US" smtClean="0"/>
-              <a:t>4/29/2020</a:t>
+              <a:t>4/30/2020</a:t>
             </a:fld>
             <a:endParaRPr lang="en-US" dirty="0"/>
           </a:p>
@@ -804,7 +804,7 @@
           <a:p>
             <a:fld id="{88D38747-4367-4BD2-8D51-C97E202738E2}" type="datetime1">
               <a:rPr lang="en-US" smtClean="0"/>
-              <a:t>4/29/2020</a:t>
+              <a:t>4/30/2020</a:t>
             </a:fld>
             <a:endParaRPr lang="en-US" dirty="0"/>
           </a:p>
@@ -1109,7 +1109,7 @@
           <a:p>
             <a:fld id="{11F1B079-7EF0-44EE-B798-BCC497C9F3B2}" type="datetime1">
               <a:rPr lang="en-US" smtClean="0"/>
-              <a:t>4/29/2020</a:t>
+              <a:t>4/30/2020</a:t>
             </a:fld>
             <a:endParaRPr lang="en-US" dirty="0"/>
           </a:p>
@@ -1303,7 +1303,7 @@
           <a:p>
             <a:fld id="{28FF70A8-1D13-4657-95F0-A9EA54967B8D}" type="datetime1">
               <a:rPr lang="en-US" smtClean="0"/>
-              <a:t>4/29/2020</a:t>
+              <a:t>4/30/2020</a:t>
             </a:fld>
             <a:endParaRPr lang="en-US" dirty="0"/>
           </a:p>
@@ -1566,7 +1566,7 @@
           <a:p>
             <a:fld id="{21EB90AC-71BD-4C7F-8ACA-7B3F18292E63}" type="datetime1">
               <a:rPr lang="en-US" smtClean="0"/>
-              <a:t>4/29/2020</a:t>
+              <a:t>4/30/2020</a:t>
             </a:fld>
             <a:endParaRPr lang="en-US" dirty="0"/>
           </a:p>
@@ -2002,7 +2002,7 @@
           <a:p>
             <a:fld id="{4E6EFC2C-8905-46F0-B443-CE905B76BA01}" type="datetime1">
               <a:rPr lang="en-US" smtClean="0"/>
-              <a:t>4/29/2020</a:t>
+              <a:t>4/30/2020</a:t>
             </a:fld>
             <a:endParaRPr lang="en-US" dirty="0"/>
           </a:p>
@@ -2539,7 +2539,7 @@
           <a:p>
             <a:fld id="{D9079DC3-C9B5-499E-9140-0DC28B7074E2}" type="datetime1">
               <a:rPr lang="en-US" smtClean="0"/>
-              <a:t>4/29/2020</a:t>
+              <a:t>4/30/2020</a:t>
             </a:fld>
             <a:endParaRPr lang="en-US" dirty="0"/>
           </a:p>
@@ -3421,7 +3421,7 @@
           <a:p>
             <a:fld id="{30BB33EA-E472-4D22-9C03-A9C14AA21CED}" type="datetime1">
               <a:rPr lang="en-US" smtClean="0"/>
-              <a:t>4/29/2020</a:t>
+              <a:t>4/30/2020</a:t>
             </a:fld>
             <a:endParaRPr lang="en-US" dirty="0"/>
           </a:p>
@@ -3591,7 +3591,7 @@
           <a:p>
             <a:fld id="{73C55A3C-5767-4844-A0A3-83778C2E5409}" type="datetime1">
               <a:rPr lang="en-US" smtClean="0"/>
-              <a:t>4/29/2020</a:t>
+              <a:t>4/30/2020</a:t>
             </a:fld>
             <a:endParaRPr lang="en-US" dirty="0"/>
           </a:p>
@@ -3835,7 +3835,7 @@
           <a:p>
             <a:fld id="{CAE507A8-A5CF-4D38-AB86-7EDDA87A85D4}" type="datetime1">
               <a:rPr lang="en-US" smtClean="0"/>
-              <a:t>4/29/2020</a:t>
+              <a:t>4/30/2020</a:t>
             </a:fld>
             <a:endParaRPr lang="en-US" dirty="0"/>
           </a:p>
@@ -4077,7 +4077,7 @@
           <a:p>
             <a:fld id="{BDFCD27C-8599-43EF-BA1D-14DDC1946E06}" type="datetime1">
               <a:rPr lang="en-US" smtClean="0"/>
-              <a:t>4/29/2020</a:t>
+              <a:t>4/30/2020</a:t>
             </a:fld>
             <a:endParaRPr lang="en-US" dirty="0"/>
           </a:p>
@@ -4560,7 +4560,7 @@
           <a:p>
             <a:fld id="{49343D99-809A-49C0-96E5-4250D0B498EE}" type="datetime1">
               <a:rPr lang="en-US" smtClean="0"/>
-              <a:t>4/29/2020</a:t>
+              <a:t>4/30/2020</a:t>
             </a:fld>
             <a:endParaRPr lang="en-US" dirty="0"/>
           </a:p>
@@ -4678,7 +4678,7 @@
           <a:p>
             <a:fld id="{A143DE9B-B678-4EFB-BB7D-A4370204A0B0}" type="datetime1">
               <a:rPr lang="en-US" smtClean="0"/>
-              <a:t>4/29/2020</a:t>
+              <a:t>4/30/2020</a:t>
             </a:fld>
             <a:endParaRPr lang="en-US" dirty="0"/>
           </a:p>
@@ -4773,7 +4773,7 @@
           <a:p>
             <a:fld id="{E68812DA-F765-4142-A6A3-A8ED7235E082}" type="datetime1">
               <a:rPr lang="en-US" smtClean="0"/>
-              <a:t>4/29/2020</a:t>
+              <a:t>4/30/2020</a:t>
             </a:fld>
             <a:endParaRPr lang="en-US" dirty="0"/>
           </a:p>
@@ -5028,7 +5028,7 @@
           <a:p>
             <a:fld id="{3E0277FD-7DE6-41D4-930D-AC99F5AFE54E}" type="datetime1">
               <a:rPr lang="en-US" smtClean="0"/>
-              <a:t>4/29/2020</a:t>
+              <a:t>4/30/2020</a:t>
             </a:fld>
             <a:endParaRPr lang="en-US" dirty="0"/>
           </a:p>
@@ -5335,7 +5335,7 @@
           <a:p>
             <a:fld id="{9EA15526-7079-4B7B-987C-1B5FAE11A0FF}" type="datetime1">
               <a:rPr lang="en-US" smtClean="0"/>
-              <a:t>4/29/2020</a:t>
+              <a:t>4/30/2020</a:t>
             </a:fld>
             <a:endParaRPr lang="en-US" dirty="0"/>
           </a:p>
@@ -5570,7 +5570,7 @@
           <a:p>
             <a:fld id="{073ED0CC-082F-4160-86E5-0D6041F12778}" type="datetime1">
               <a:rPr lang="en-US" smtClean="0"/>
-              <a:t>4/29/2020</a:t>
+              <a:t>4/30/2020</a:t>
             </a:fld>
             <a:endParaRPr lang="en-US" dirty="0"/>
           </a:p>
@@ -7319,7 +7319,7 @@
           <a:p>
             <a:r>
               <a:rPr lang="en-US" dirty="0"/>
-              <a:t>Firebase for login functionality</a:t>
+              <a:t>Firebase for login functionality and model training</a:t>
             </a:r>
           </a:p>
           <a:p>
@@ -7337,7 +7337,7 @@
           <a:p>
             <a:r>
               <a:rPr lang="en-US" dirty="0"/>
-              <a:t>App will save data while open</a:t>
+              <a:t>App will save data while open or when account information is persistent</a:t>
             </a:r>
           </a:p>
         </p:txBody>
@@ -9131,15 +9131,6 @@
 </file>
 
 <file path=customXml/item1.xml><?xml version="1.0" encoding="utf-8"?>
-<?mso-contentType ?>
-<FormTemplates xmlns="http://schemas.microsoft.com/sharepoint/v3/contenttype/forms">
-  <Display>DocumentLibraryForm</Display>
-  <Edit>DocumentLibraryForm</Edit>
-  <New>DocumentLibraryForm</New>
-</FormTemplates>
-</file>
-
-<file path=customXml/item2.xml><?xml version="1.0" encoding="utf-8"?>
 <ct:contentTypeSchema xmlns:ct="http://schemas.microsoft.com/office/2006/metadata/contentType" xmlns:ma="http://schemas.microsoft.com/office/2006/metadata/properties/metaAttributes" ct:_="" ma:_="" ma:contentTypeName="Document" ma:contentTypeID="0x01010079F111ED35F8CC479449609E8A0923A6" ma:contentTypeVersion="12" ma:contentTypeDescription="Create a new document." ma:contentTypeScope="" ma:versionID="a410dd7f93c95333ffa1b60ed6adedd1">
   <xsd:schema xmlns:xsd="http://www.w3.org/2001/XMLSchema" xmlns:xs="http://www.w3.org/2001/XMLSchema" xmlns:p="http://schemas.microsoft.com/office/2006/metadata/properties" xmlns:ns2="71af3243-3dd4-4a8d-8c0d-dd76da1f02a5" xmlns:ns3="16c05727-aa75-4e4a-9b5f-8a80a1165891" targetNamespace="http://schemas.microsoft.com/office/2006/metadata/properties" ma:root="true" ma:fieldsID="a936d9baba76aa3866493feff160faab" ns2:_="" ns3:_="">
     <xsd:import namespace="71af3243-3dd4-4a8d-8c0d-dd76da1f02a5"/>
@@ -9360,6 +9351,15 @@
 </ct:contentTypeSchema>
 </file>
 
+<file path=customXml/item2.xml><?xml version="1.0" encoding="utf-8"?>
+<?mso-contentType ?>
+<FormTemplates xmlns="http://schemas.microsoft.com/sharepoint/v3/contenttype/forms">
+  <Display>DocumentLibraryForm</Display>
+  <Edit>DocumentLibraryForm</Edit>
+  <New>DocumentLibraryForm</New>
+</FormTemplates>
+</file>
+
 <file path=customXml/item3.xml><?xml version="1.0" encoding="utf-8"?>
 <p:properties xmlns:p="http://schemas.microsoft.com/office/2006/metadata/properties" xmlns:xsi="http://www.w3.org/2001/XMLSchema-instance" xmlns:pc="http://schemas.microsoft.com/office/infopath/2007/PartnerControls">
   <documentManagement>
@@ -9370,14 +9370,6 @@
 </file>
 
 <file path=customXml/itemProps1.xml><?xml version="1.0" encoding="utf-8"?>
-<ds:datastoreItem xmlns:ds="http://schemas.openxmlformats.org/officeDocument/2006/customXml" ds:itemID="{64B270AB-C138-415C-897E-3C24487DECF1}">
-  <ds:schemaRefs>
-    <ds:schemaRef ds:uri="http://schemas.microsoft.com/sharepoint/v3/contenttype/forms"/>
-  </ds:schemaRefs>
-</ds:datastoreItem>
-</file>
-
-<file path=customXml/itemProps2.xml><?xml version="1.0" encoding="utf-8"?>
 <ds:datastoreItem xmlns:ds="http://schemas.openxmlformats.org/officeDocument/2006/customXml" ds:itemID="{0585E981-8C91-4205-A0C3-C991F42B4C9E}">
   <ds:schemaRefs>
     <ds:schemaRef ds:uri="http://schemas.microsoft.com/office/2006/metadata/contentType"/>
@@ -9396,6 +9388,14 @@
 </ds:datastoreItem>
 </file>
 
+<file path=customXml/itemProps2.xml><?xml version="1.0" encoding="utf-8"?>
+<ds:datastoreItem xmlns:ds="http://schemas.openxmlformats.org/officeDocument/2006/customXml" ds:itemID="{64B270AB-C138-415C-897E-3C24487DECF1}">
+  <ds:schemaRefs>
+    <ds:schemaRef ds:uri="http://schemas.microsoft.com/sharepoint/v3/contenttype/forms"/>
+  </ds:schemaRefs>
+</ds:datastoreItem>
+</file>
+
 <file path=customXml/itemProps3.xml><?xml version="1.0" encoding="utf-8"?>
 <ds:datastoreItem xmlns:ds="http://schemas.openxmlformats.org/officeDocument/2006/customXml" ds:itemID="{2C4C00F4-06E9-43E3-AD97-88A857CEFA82}">
   <ds:schemaRefs>

--- a/Documentation/Increment4_Final Binder/Auto-Learn_PCP_002_3310Term2020.pptx
+++ b/Documentation/Increment4_Final Binder/Auto-Learn_PCP_002_3310Term2020.pptx
@@ -7305,20 +7305,6 @@
           <a:p>
             <a:r>
               <a:rPr lang="en-US" dirty="0"/>
-              <a:t>Python/</a:t>
-            </a:r>
-            <a:r>
-              <a:rPr lang="en-US" dirty="0" err="1"/>
-              <a:t>Tensorflow</a:t>
-            </a:r>
-            <a:r>
-              <a:rPr lang="en-US" dirty="0"/>
-              <a:t> for ML</a:t>
-            </a:r>
-          </a:p>
-          <a:p>
-            <a:r>
-              <a:rPr lang="en-US" dirty="0"/>
               <a:t>Firebase for login functionality and model training</a:t>
             </a:r>
           </a:p>
@@ -7331,7 +7317,7 @@
           <a:p>
             <a:r>
               <a:rPr lang="en-US" dirty="0"/>
-              <a:t>Google’s material design</a:t>
+              <a:t>Google’s Material Design</a:t>
             </a:r>
           </a:p>
           <a:p>
@@ -9352,21 +9338,21 @@
 </file>
 
 <file path=customXml/item2.xml><?xml version="1.0" encoding="utf-8"?>
+<p:properties xmlns:p="http://schemas.microsoft.com/office/2006/metadata/properties" xmlns:xsi="http://www.w3.org/2001/XMLSchema-instance" xmlns:pc="http://schemas.microsoft.com/office/infopath/2007/PartnerControls">
+  <documentManagement>
+    <Status xmlns="71af3243-3dd4-4a8d-8c0d-dd76da1f02a5">Not started</Status>
+    <MediaServiceKeyPoints xmlns="71af3243-3dd4-4a8d-8c0d-dd76da1f02a5" xsi:nil="true"/>
+  </documentManagement>
+</p:properties>
+</file>
+
+<file path=customXml/item3.xml><?xml version="1.0" encoding="utf-8"?>
 <?mso-contentType ?>
 <FormTemplates xmlns="http://schemas.microsoft.com/sharepoint/v3/contenttype/forms">
   <Display>DocumentLibraryForm</Display>
   <Edit>DocumentLibraryForm</Edit>
   <New>DocumentLibraryForm</New>
 </FormTemplates>
-</file>
-
-<file path=customXml/item3.xml><?xml version="1.0" encoding="utf-8"?>
-<p:properties xmlns:p="http://schemas.microsoft.com/office/2006/metadata/properties" xmlns:xsi="http://www.w3.org/2001/XMLSchema-instance" xmlns:pc="http://schemas.microsoft.com/office/infopath/2007/PartnerControls">
-  <documentManagement>
-    <Status xmlns="71af3243-3dd4-4a8d-8c0d-dd76da1f02a5">Not started</Status>
-    <MediaServiceKeyPoints xmlns="71af3243-3dd4-4a8d-8c0d-dd76da1f02a5" xsi:nil="true"/>
-  </documentManagement>
-</p:properties>
 </file>
 
 <file path=customXml/itemProps1.xml><?xml version="1.0" encoding="utf-8"?>
@@ -9389,14 +9375,6 @@
 </file>
 
 <file path=customXml/itemProps2.xml><?xml version="1.0" encoding="utf-8"?>
-<ds:datastoreItem xmlns:ds="http://schemas.openxmlformats.org/officeDocument/2006/customXml" ds:itemID="{64B270AB-C138-415C-897E-3C24487DECF1}">
-  <ds:schemaRefs>
-    <ds:schemaRef ds:uri="http://schemas.microsoft.com/sharepoint/v3/contenttype/forms"/>
-  </ds:schemaRefs>
-</ds:datastoreItem>
-</file>
-
-<file path=customXml/itemProps3.xml><?xml version="1.0" encoding="utf-8"?>
 <ds:datastoreItem xmlns:ds="http://schemas.openxmlformats.org/officeDocument/2006/customXml" ds:itemID="{2C4C00F4-06E9-43E3-AD97-88A857CEFA82}">
   <ds:schemaRefs>
     <ds:schemaRef ds:uri="http://schemas.microsoft.com/office/2006/metadata/properties"/>
@@ -9404,4 +9382,12 @@
     <ds:schemaRef ds:uri="71af3243-3dd4-4a8d-8c0d-dd76da1f02a5"/>
   </ds:schemaRefs>
 </ds:datastoreItem>
+</file>
+
+<file path=customXml/itemProps3.xml><?xml version="1.0" encoding="utf-8"?>
+<ds:datastoreItem xmlns:ds="http://schemas.openxmlformats.org/officeDocument/2006/customXml" ds:itemID="{64B270AB-C138-415C-897E-3C24487DECF1}">
+  <ds:schemaRefs>
+    <ds:schemaRef ds:uri="http://schemas.microsoft.com/sharepoint/v3/contenttype/forms"/>
+  </ds:schemaRefs>
+</ds:datastoreItem>
 </file>